--- a/test_nomai/nomai_tree.pptx
+++ b/test_nomai/nomai_tree.pptx
@@ -3391,6 +3391,13 @@
             </p:nvPicPr>
             <p:blipFill>
               <a:blip r:embed="rId2">
+                <a:duotone>
+                  <a:prstClr val="black"/>
+                  <a:srgbClr val="0070C0">
+                    <a:tint val="45000"/>
+                    <a:satMod val="400000"/>
+                  </a:srgbClr>
+                </a:duotone>
                 <a:extLst>
                   <a:ext uri="{28A0092B-C50C-407E-A947-70E740481C1C}">
                     <a14:useLocalDpi xmlns:a14="http://schemas.microsoft.com/office/drawing/2010/main" val="0"/>
@@ -3692,10 +3699,12 @@
               <a:blip r:embed="rId2">
                 <a:duotone>
                   <a:prstClr val="black"/>
-                  <a:srgbClr val="C00000">
+                  <a:schemeClr val="accent4">
+                    <a:lumMod val="60000"/>
+                    <a:lumOff val="40000"/>
                     <a:tint val="45000"/>
                     <a:satMod val="400000"/>
-                  </a:srgbClr>
+                  </a:schemeClr>
                 </a:duotone>
                 <a:extLst>
                   <a:ext uri="{28A0092B-C50C-407E-A947-70E740481C1C}">
@@ -3733,6 +3742,13 @@
             </p:nvPicPr>
             <p:blipFill>
               <a:blip r:embed="rId2">
+                <a:duotone>
+                  <a:prstClr val="black"/>
+                  <a:srgbClr val="0070C0">
+                    <a:tint val="45000"/>
+                    <a:satMod val="400000"/>
+                  </a:srgbClr>
+                </a:duotone>
                 <a:extLst>
                   <a:ext uri="{28A0092B-C50C-407E-A947-70E740481C1C}">
                     <a14:useLocalDpi xmlns:a14="http://schemas.microsoft.com/office/drawing/2010/main" val="0"/>
@@ -3844,6 +3860,13 @@
           </p:nvPicPr>
           <p:blipFill>
             <a:blip r:embed="rId2">
+              <a:duotone>
+                <a:prstClr val="black"/>
+                <a:srgbClr val="0070C0">
+                  <a:tint val="45000"/>
+                  <a:satMod val="400000"/>
+                </a:srgbClr>
+              </a:duotone>
               <a:extLst>
                 <a:ext uri="{28A0092B-C50C-407E-A947-70E740481C1C}">
                   <a14:useLocalDpi xmlns:a14="http://schemas.microsoft.com/office/drawing/2010/main" val="0"/>
@@ -3996,10 +4019,12 @@
               <a:blip r:embed="rId2">
                 <a:duotone>
                   <a:prstClr val="black"/>
-                  <a:srgbClr val="C00000">
+                  <a:schemeClr val="accent4">
+                    <a:lumMod val="60000"/>
+                    <a:lumOff val="40000"/>
                     <a:tint val="45000"/>
                     <a:satMod val="400000"/>
-                  </a:srgbClr>
+                  </a:schemeClr>
                 </a:duotone>
                 <a:extLst>
                   <a:ext uri="{28A0092B-C50C-407E-A947-70E740481C1C}">
@@ -4039,10 +4064,12 @@
               <a:blip r:embed="rId2">
                 <a:duotone>
                   <a:prstClr val="black"/>
-                  <a:srgbClr val="C00000">
+                  <a:schemeClr val="accent4">
+                    <a:lumMod val="60000"/>
+                    <a:lumOff val="40000"/>
                     <a:tint val="45000"/>
                     <a:satMod val="400000"/>
-                  </a:srgbClr>
+                  </a:schemeClr>
                 </a:duotone>
                 <a:extLst>
                   <a:ext uri="{28A0092B-C50C-407E-A947-70E740481C1C}">
@@ -4080,6 +4107,13 @@
             </p:nvPicPr>
             <p:blipFill>
               <a:blip r:embed="rId2">
+                <a:duotone>
+                  <a:prstClr val="black"/>
+                  <a:srgbClr val="0070C0">
+                    <a:tint val="45000"/>
+                    <a:satMod val="400000"/>
+                  </a:srgbClr>
+                </a:duotone>
                 <a:extLst>
                   <a:ext uri="{28A0092B-C50C-407E-A947-70E740481C1C}">
                     <a14:useLocalDpi xmlns:a14="http://schemas.microsoft.com/office/drawing/2010/main" val="0"/>
@@ -4116,6 +4150,13 @@
             </p:nvPicPr>
             <p:blipFill>
               <a:blip r:embed="rId2">
+                <a:duotone>
+                  <a:prstClr val="black"/>
+                  <a:srgbClr val="0070C0">
+                    <a:tint val="45000"/>
+                    <a:satMod val="400000"/>
+                  </a:srgbClr>
+                </a:duotone>
                 <a:extLst>
                   <a:ext uri="{28A0092B-C50C-407E-A947-70E740481C1C}">
                     <a14:useLocalDpi xmlns:a14="http://schemas.microsoft.com/office/drawing/2010/main" val="0"/>
@@ -4153,6 +4194,14 @@
           </p:nvPicPr>
           <p:blipFill>
             <a:blip r:embed="rId2">
+              <a:duotone>
+                <a:prstClr val="black"/>
+                <a:srgbClr val="0070C0">
+                  <a:tint val="45000"/>
+                  <a:satMod val="400000"/>
+                </a:srgbClr>
+              </a:duotone>
+              <a:alphaModFix amt="0"/>
               <a:extLst>
                 <a:ext uri="{28A0092B-C50C-407E-A947-70E740481C1C}">
                   <a14:useLocalDpi xmlns:a14="http://schemas.microsoft.com/office/drawing/2010/main" val="0"/>
@@ -4305,10 +4354,12 @@
               <a:blip r:embed="rId2">
                 <a:duotone>
                   <a:prstClr val="black"/>
-                  <a:srgbClr val="C00000">
+                  <a:schemeClr val="accent4">
+                    <a:lumMod val="60000"/>
+                    <a:lumOff val="40000"/>
                     <a:tint val="45000"/>
                     <a:satMod val="400000"/>
-                  </a:srgbClr>
+                  </a:schemeClr>
                 </a:duotone>
                 <a:extLst>
                   <a:ext uri="{28A0092B-C50C-407E-A947-70E740481C1C}">
@@ -4346,6 +4397,14 @@
             </p:nvPicPr>
             <p:blipFill>
               <a:blip r:embed="rId2">
+                <a:duotone>
+                  <a:prstClr val="black"/>
+                  <a:srgbClr val="0070C0">
+                    <a:tint val="45000"/>
+                    <a:satMod val="400000"/>
+                  </a:srgbClr>
+                </a:duotone>
+                <a:alphaModFix amt="0"/>
                 <a:extLst>
                   <a:ext uri="{28A0092B-C50C-407E-A947-70E740481C1C}">
                     <a14:useLocalDpi xmlns:a14="http://schemas.microsoft.com/office/drawing/2010/main" val="0"/>
@@ -4459,10 +4518,12 @@
             <a:blip r:embed="rId2">
               <a:duotone>
                 <a:prstClr val="black"/>
-                <a:srgbClr val="C00000">
+                <a:schemeClr val="accent4">
+                  <a:lumMod val="60000"/>
+                  <a:lumOff val="40000"/>
                   <a:tint val="45000"/>
                   <a:satMod val="400000"/>
-                </a:srgbClr>
+                </a:schemeClr>
               </a:duotone>
               <a:extLst>
                 <a:ext uri="{28A0092B-C50C-407E-A947-70E740481C1C}">
@@ -4500,6 +4561,13 @@
           </p:nvPicPr>
           <p:blipFill>
             <a:blip r:embed="rId2">
+              <a:duotone>
+                <a:prstClr val="black"/>
+                <a:srgbClr val="0070C0">
+                  <a:tint val="45000"/>
+                  <a:satMod val="400000"/>
+                </a:srgbClr>
+              </a:duotone>
               <a:extLst>
                 <a:ext uri="{28A0092B-C50C-407E-A947-70E740481C1C}">
                   <a14:useLocalDpi xmlns:a14="http://schemas.microsoft.com/office/drawing/2010/main" val="0"/>

--- a/test_nomai/nomai_tree.pptx
+++ b/test_nomai/nomai_tree.pptx
@@ -9,6 +9,9 @@
     <p:sldId id="259" r:id="rId3"/>
     <p:sldId id="260" r:id="rId4"/>
     <p:sldId id="261" r:id="rId5"/>
+    <p:sldId id="262" r:id="rId6"/>
+    <p:sldId id="263" r:id="rId7"/>
+    <p:sldId id="264" r:id="rId8"/>
   </p:sldIdLst>
   <p:sldSz cx="12192000" cy="6858000"/>
   <p:notesSz cx="6858000" cy="9144000"/>
@@ -4602,6 +4605,1013 @@
 </p:sld>
 </file>
 
+<file path=ppt/slides/slide5.xml><?xml version="1.0" encoding="utf-8"?>
+<p:sld xmlns:a="http://schemas.openxmlformats.org/drawingml/2006/main" xmlns:r="http://schemas.openxmlformats.org/officeDocument/2006/relationships" xmlns:p="http://schemas.openxmlformats.org/presentationml/2006/main">
+  <p:cSld>
+    <p:spTree>
+      <p:nvGrpSpPr>
+        <p:cNvPr id="1" name="">
+          <a:extLst>
+            <a:ext uri="{FF2B5EF4-FFF2-40B4-BE49-F238E27FC236}">
+              <a16:creationId xmlns:a16="http://schemas.microsoft.com/office/drawing/2014/main" id="{2A09BF35-3FFA-4B18-0488-927A5E9741FA}"/>
+            </a:ext>
+          </a:extLst>
+        </p:cNvPr>
+        <p:cNvGrpSpPr/>
+        <p:nvPr/>
+      </p:nvGrpSpPr>
+      <p:grpSpPr>
+        <a:xfrm>
+          <a:off x="0" y="0"/>
+          <a:ext cx="0" cy="0"/>
+          <a:chOff x="0" y="0"/>
+          <a:chExt cx="0" cy="0"/>
+        </a:xfrm>
+      </p:grpSpPr>
+      <p:grpSp>
+        <p:nvGrpSpPr>
+          <p:cNvPr id="9" name="组合 8">
+            <a:extLst>
+              <a:ext uri="{FF2B5EF4-FFF2-40B4-BE49-F238E27FC236}">
+                <a16:creationId xmlns:a16="http://schemas.microsoft.com/office/drawing/2014/main" id="{AF086E80-2B14-8197-5B1A-9D50C8BBF89C}"/>
+              </a:ext>
+            </a:extLst>
+          </p:cNvPr>
+          <p:cNvGrpSpPr/>
+          <p:nvPr/>
+        </p:nvGrpSpPr>
+        <p:grpSpPr>
+          <a:xfrm>
+            <a:off x="2997182" y="358636"/>
+            <a:ext cx="5860502" cy="4637292"/>
+            <a:chOff x="2997182" y="358636"/>
+            <a:chExt cx="5860502" cy="4637292"/>
+          </a:xfrm>
+        </p:grpSpPr>
+        <p:grpSp>
+          <p:nvGrpSpPr>
+            <p:cNvPr id="8" name="组合 7">
+              <a:extLst>
+                <a:ext uri="{FF2B5EF4-FFF2-40B4-BE49-F238E27FC236}">
+                  <a16:creationId xmlns:a16="http://schemas.microsoft.com/office/drawing/2014/main" id="{EE316321-8FB0-EAD0-F16D-BDDFD9BE75CC}"/>
+                </a:ext>
+              </a:extLst>
+            </p:cNvPr>
+            <p:cNvGrpSpPr/>
+            <p:nvPr/>
+          </p:nvGrpSpPr>
+          <p:grpSpPr>
+            <a:xfrm>
+              <a:off x="2997182" y="358636"/>
+              <a:ext cx="4287383" cy="4318990"/>
+              <a:chOff x="2997182" y="358636"/>
+              <a:chExt cx="4287383" cy="4318990"/>
+            </a:xfrm>
+          </p:grpSpPr>
+          <p:pic>
+            <p:nvPicPr>
+              <p:cNvPr id="5" name="图片 4">
+                <a:extLst>
+                  <a:ext uri="{FF2B5EF4-FFF2-40B4-BE49-F238E27FC236}">
+                    <a16:creationId xmlns:a16="http://schemas.microsoft.com/office/drawing/2014/main" id="{081C0D7F-0110-D812-2EF0-9DD6CA8BF0EC}"/>
+                  </a:ext>
+                </a:extLst>
+              </p:cNvPr>
+              <p:cNvPicPr>
+                <a:picLocks noChangeAspect="1"/>
+              </p:cNvPicPr>
+              <p:nvPr/>
+            </p:nvPicPr>
+            <p:blipFill>
+              <a:blip r:embed="rId2">
+                <a:duotone>
+                  <a:prstClr val="black"/>
+                  <a:schemeClr val="accent4">
+                    <a:lumMod val="60000"/>
+                    <a:lumOff val="40000"/>
+                    <a:tint val="45000"/>
+                    <a:satMod val="400000"/>
+                  </a:schemeClr>
+                </a:duotone>
+                <a:extLst>
+                  <a:ext uri="{28A0092B-C50C-407E-A947-70E740481C1C}">
+                    <a14:useLocalDpi xmlns:a14="http://schemas.microsoft.com/office/drawing/2010/main" val="0"/>
+                  </a:ext>
+                </a:extLst>
+              </a:blip>
+              <a:stretch>
+                <a:fillRect/>
+              </a:stretch>
+            </p:blipFill>
+            <p:spPr>
+              <a:xfrm rot="3510947">
+                <a:off x="5048178" y="703903"/>
+                <a:ext cx="2581654" cy="1891120"/>
+              </a:xfrm>
+              <a:prstGeom prst="rect">
+                <a:avLst/>
+              </a:prstGeom>
+            </p:spPr>
+          </p:pic>
+          <p:pic>
+            <p:nvPicPr>
+              <p:cNvPr id="2" name="图片 1">
+                <a:extLst>
+                  <a:ext uri="{FF2B5EF4-FFF2-40B4-BE49-F238E27FC236}">
+                    <a16:creationId xmlns:a16="http://schemas.microsoft.com/office/drawing/2014/main" id="{E2884833-ABC4-3DE3-E9F2-447E11B55BF9}"/>
+                  </a:ext>
+                </a:extLst>
+              </p:cNvPr>
+              <p:cNvPicPr>
+                <a:picLocks noChangeAspect="1"/>
+              </p:cNvPicPr>
+              <p:nvPr/>
+            </p:nvPicPr>
+            <p:blipFill>
+              <a:blip r:embed="rId2">
+                <a:duotone>
+                  <a:prstClr val="black"/>
+                  <a:schemeClr val="accent4">
+                    <a:lumMod val="60000"/>
+                    <a:lumOff val="40000"/>
+                    <a:tint val="45000"/>
+                    <a:satMod val="400000"/>
+                  </a:schemeClr>
+                </a:duotone>
+                <a:extLst>
+                  <a:ext uri="{28A0092B-C50C-407E-A947-70E740481C1C}">
+                    <a14:useLocalDpi xmlns:a14="http://schemas.microsoft.com/office/drawing/2010/main" val="0"/>
+                  </a:ext>
+                </a:extLst>
+              </a:blip>
+              <a:stretch>
+                <a:fillRect/>
+              </a:stretch>
+            </p:blipFill>
+            <p:spPr>
+              <a:xfrm rot="19830462" flipH="1">
+                <a:off x="4133252" y="1976959"/>
+                <a:ext cx="2083328" cy="1526085"/>
+              </a:xfrm>
+              <a:prstGeom prst="rect">
+                <a:avLst/>
+              </a:prstGeom>
+            </p:spPr>
+          </p:pic>
+          <p:pic>
+            <p:nvPicPr>
+              <p:cNvPr id="4" name="图片 3">
+                <a:extLst>
+                  <a:ext uri="{FF2B5EF4-FFF2-40B4-BE49-F238E27FC236}">
+                    <a16:creationId xmlns:a16="http://schemas.microsoft.com/office/drawing/2014/main" id="{B82E3046-053E-B65F-18D4-C47DAD282322}"/>
+                  </a:ext>
+                </a:extLst>
+              </p:cNvPr>
+              <p:cNvPicPr>
+                <a:picLocks noChangeAspect="1"/>
+              </p:cNvPicPr>
+              <p:nvPr/>
+            </p:nvPicPr>
+            <p:blipFill>
+              <a:blip r:embed="rId2">
+                <a:duotone>
+                  <a:prstClr val="black"/>
+                  <a:srgbClr val="0070C0">
+                    <a:tint val="45000"/>
+                    <a:satMod val="400000"/>
+                  </a:srgbClr>
+                </a:duotone>
+                <a:alphaModFix amt="0"/>
+                <a:extLst>
+                  <a:ext uri="{28A0092B-C50C-407E-A947-70E740481C1C}">
+                    <a14:useLocalDpi xmlns:a14="http://schemas.microsoft.com/office/drawing/2010/main" val="0"/>
+                  </a:ext>
+                </a:extLst>
+              </a:blip>
+              <a:stretch>
+                <a:fillRect/>
+              </a:stretch>
+            </p:blipFill>
+            <p:spPr>
+              <a:xfrm rot="16882111" flipH="1">
+                <a:off x="4536505" y="3389964"/>
+                <a:ext cx="1486459" cy="1088865"/>
+              </a:xfrm>
+              <a:prstGeom prst="rect">
+                <a:avLst/>
+              </a:prstGeom>
+            </p:spPr>
+          </p:pic>
+          <p:pic>
+            <p:nvPicPr>
+              <p:cNvPr id="6" name="图片 5">
+                <a:extLst>
+                  <a:ext uri="{FF2B5EF4-FFF2-40B4-BE49-F238E27FC236}">
+                    <a16:creationId xmlns:a16="http://schemas.microsoft.com/office/drawing/2014/main" id="{53713860-CCB5-4C64-4F06-5519F34C11B9}"/>
+                  </a:ext>
+                </a:extLst>
+              </p:cNvPr>
+              <p:cNvPicPr>
+                <a:picLocks noChangeAspect="1"/>
+              </p:cNvPicPr>
+              <p:nvPr/>
+            </p:nvPicPr>
+            <p:blipFill>
+              <a:blip r:embed="rId2">
+                <a:duotone>
+                  <a:prstClr val="black"/>
+                  <a:schemeClr val="accent4">
+                    <a:lumMod val="60000"/>
+                    <a:lumOff val="40000"/>
+                    <a:tint val="45000"/>
+                    <a:satMod val="400000"/>
+                  </a:schemeClr>
+                </a:duotone>
+                <a:extLst>
+                  <a:ext uri="{28A0092B-C50C-407E-A947-70E740481C1C}">
+                    <a14:useLocalDpi xmlns:a14="http://schemas.microsoft.com/office/drawing/2010/main" val="0"/>
+                  </a:ext>
+                </a:extLst>
+              </a:blip>
+              <a:stretch>
+                <a:fillRect/>
+              </a:stretch>
+            </p:blipFill>
+            <p:spPr>
+              <a:xfrm rot="10647133">
+                <a:off x="2997182" y="2462862"/>
+                <a:ext cx="1486459" cy="1088865"/>
+              </a:xfrm>
+              <a:prstGeom prst="rect">
+                <a:avLst/>
+              </a:prstGeom>
+            </p:spPr>
+          </p:pic>
+        </p:grpSp>
+        <p:pic>
+          <p:nvPicPr>
+            <p:cNvPr id="3" name="图片 2">
+              <a:extLst>
+                <a:ext uri="{FF2B5EF4-FFF2-40B4-BE49-F238E27FC236}">
+                  <a16:creationId xmlns:a16="http://schemas.microsoft.com/office/drawing/2014/main" id="{D3A4AFF7-3483-9E6F-7C05-A3F37C2AEC07}"/>
+                </a:ext>
+              </a:extLst>
+            </p:cNvPr>
+            <p:cNvPicPr>
+              <a:picLocks noChangeAspect="1"/>
+            </p:cNvPicPr>
+            <p:nvPr/>
+          </p:nvPicPr>
+          <p:blipFill>
+            <a:blip r:embed="rId2">
+              <a:duotone>
+                <a:prstClr val="black"/>
+                <a:srgbClr val="0070C0">
+                  <a:tint val="45000"/>
+                  <a:satMod val="400000"/>
+                </a:srgbClr>
+              </a:duotone>
+              <a:alphaModFix amt="0"/>
+              <a:extLst>
+                <a:ext uri="{28A0092B-C50C-407E-A947-70E740481C1C}">
+                  <a14:useLocalDpi xmlns:a14="http://schemas.microsoft.com/office/drawing/2010/main" val="0"/>
+                </a:ext>
+              </a:extLst>
+            </a:blip>
+            <a:stretch>
+              <a:fillRect/>
+            </a:stretch>
+          </p:blipFill>
+          <p:spPr>
+            <a:xfrm rot="1613781">
+              <a:off x="6781349" y="2201355"/>
+              <a:ext cx="2076335" cy="1520962"/>
+            </a:xfrm>
+            <a:prstGeom prst="rect">
+              <a:avLst/>
+            </a:prstGeom>
+          </p:spPr>
+        </p:pic>
+        <p:pic>
+          <p:nvPicPr>
+            <p:cNvPr id="7" name="图片 6">
+              <a:extLst>
+                <a:ext uri="{FF2B5EF4-FFF2-40B4-BE49-F238E27FC236}">
+                  <a16:creationId xmlns:a16="http://schemas.microsoft.com/office/drawing/2014/main" id="{AB5B6478-70E8-1DE2-E7D2-29F409D1AB2E}"/>
+                </a:ext>
+              </a:extLst>
+            </p:cNvPr>
+            <p:cNvPicPr>
+              <a:picLocks noChangeAspect="1"/>
+            </p:cNvPicPr>
+            <p:nvPr/>
+          </p:nvPicPr>
+          <p:blipFill>
+            <a:blip r:embed="rId2">
+              <a:alphaModFix amt="0"/>
+              <a:extLst>
+                <a:ext uri="{28A0092B-C50C-407E-A947-70E740481C1C}">
+                  <a14:useLocalDpi xmlns:a14="http://schemas.microsoft.com/office/drawing/2010/main" val="0"/>
+                </a:ext>
+              </a:extLst>
+            </a:blip>
+            <a:stretch>
+              <a:fillRect/>
+            </a:stretch>
+          </p:blipFill>
+          <p:spPr>
+            <a:xfrm rot="17737047" flipH="1">
+              <a:off x="7186903" y="3627791"/>
+              <a:ext cx="1579358" cy="1156915"/>
+            </a:xfrm>
+            <a:prstGeom prst="rect">
+              <a:avLst/>
+            </a:prstGeom>
+          </p:spPr>
+        </p:pic>
+      </p:grpSp>
+    </p:spTree>
+    <p:extLst>
+      <p:ext uri="{BB962C8B-B14F-4D97-AF65-F5344CB8AC3E}">
+        <p14:creationId xmlns:p14="http://schemas.microsoft.com/office/powerpoint/2010/main" val="2411973283"/>
+      </p:ext>
+    </p:extLst>
+  </p:cSld>
+  <p:clrMapOvr>
+    <a:masterClrMapping/>
+  </p:clrMapOvr>
+</p:sld>
+</file>
+
+<file path=ppt/slides/slide6.xml><?xml version="1.0" encoding="utf-8"?>
+<p:sld xmlns:a="http://schemas.openxmlformats.org/drawingml/2006/main" xmlns:r="http://schemas.openxmlformats.org/officeDocument/2006/relationships" xmlns:p="http://schemas.openxmlformats.org/presentationml/2006/main">
+  <p:cSld>
+    <p:spTree>
+      <p:nvGrpSpPr>
+        <p:cNvPr id="1" name="">
+          <a:extLst>
+            <a:ext uri="{FF2B5EF4-FFF2-40B4-BE49-F238E27FC236}">
+              <a16:creationId xmlns:a16="http://schemas.microsoft.com/office/drawing/2014/main" id="{6B3887B2-3E10-9F91-0870-E37DE0CC36BB}"/>
+            </a:ext>
+          </a:extLst>
+        </p:cNvPr>
+        <p:cNvGrpSpPr/>
+        <p:nvPr/>
+      </p:nvGrpSpPr>
+      <p:grpSpPr>
+        <a:xfrm>
+          <a:off x="0" y="0"/>
+          <a:ext cx="0" cy="0"/>
+          <a:chOff x="0" y="0"/>
+          <a:chExt cx="0" cy="0"/>
+        </a:xfrm>
+      </p:grpSpPr>
+      <p:grpSp>
+        <p:nvGrpSpPr>
+          <p:cNvPr id="9" name="组合 8">
+            <a:extLst>
+              <a:ext uri="{FF2B5EF4-FFF2-40B4-BE49-F238E27FC236}">
+                <a16:creationId xmlns:a16="http://schemas.microsoft.com/office/drawing/2014/main" id="{E07C6C71-CE41-E23C-E4CC-482973D5C493}"/>
+              </a:ext>
+            </a:extLst>
+          </p:cNvPr>
+          <p:cNvGrpSpPr/>
+          <p:nvPr/>
+        </p:nvGrpSpPr>
+        <p:grpSpPr>
+          <a:xfrm>
+            <a:off x="2997182" y="358636"/>
+            <a:ext cx="5860502" cy="4637292"/>
+            <a:chOff x="2997182" y="358636"/>
+            <a:chExt cx="5860502" cy="4637292"/>
+          </a:xfrm>
+        </p:grpSpPr>
+        <p:grpSp>
+          <p:nvGrpSpPr>
+            <p:cNvPr id="8" name="组合 7">
+              <a:extLst>
+                <a:ext uri="{FF2B5EF4-FFF2-40B4-BE49-F238E27FC236}">
+                  <a16:creationId xmlns:a16="http://schemas.microsoft.com/office/drawing/2014/main" id="{8A06446F-B6C0-7976-D9A4-FEBD78D2EBA5}"/>
+                </a:ext>
+              </a:extLst>
+            </p:cNvPr>
+            <p:cNvGrpSpPr/>
+            <p:nvPr/>
+          </p:nvGrpSpPr>
+          <p:grpSpPr>
+            <a:xfrm>
+              <a:off x="2997182" y="358636"/>
+              <a:ext cx="4287383" cy="4318990"/>
+              <a:chOff x="2997182" y="358636"/>
+              <a:chExt cx="4287383" cy="4318990"/>
+            </a:xfrm>
+          </p:grpSpPr>
+          <p:pic>
+            <p:nvPicPr>
+              <p:cNvPr id="5" name="图片 4">
+                <a:extLst>
+                  <a:ext uri="{FF2B5EF4-FFF2-40B4-BE49-F238E27FC236}">
+                    <a16:creationId xmlns:a16="http://schemas.microsoft.com/office/drawing/2014/main" id="{EFD938E6-8990-6805-891B-6967E74494CA}"/>
+                  </a:ext>
+                </a:extLst>
+              </p:cNvPr>
+              <p:cNvPicPr>
+                <a:picLocks noChangeAspect="1"/>
+              </p:cNvPicPr>
+              <p:nvPr/>
+            </p:nvPicPr>
+            <p:blipFill>
+              <a:blip r:embed="rId2">
+                <a:duotone>
+                  <a:prstClr val="black"/>
+                  <a:schemeClr val="accent4">
+                    <a:lumMod val="60000"/>
+                    <a:lumOff val="40000"/>
+                    <a:tint val="45000"/>
+                    <a:satMod val="400000"/>
+                  </a:schemeClr>
+                </a:duotone>
+                <a:extLst>
+                  <a:ext uri="{28A0092B-C50C-407E-A947-70E740481C1C}">
+                    <a14:useLocalDpi xmlns:a14="http://schemas.microsoft.com/office/drawing/2010/main" val="0"/>
+                  </a:ext>
+                </a:extLst>
+              </a:blip>
+              <a:stretch>
+                <a:fillRect/>
+              </a:stretch>
+            </p:blipFill>
+            <p:spPr>
+              <a:xfrm rot="3510947">
+                <a:off x="5048178" y="703903"/>
+                <a:ext cx="2581654" cy="1891120"/>
+              </a:xfrm>
+              <a:prstGeom prst="rect">
+                <a:avLst/>
+              </a:prstGeom>
+            </p:spPr>
+          </p:pic>
+          <p:pic>
+            <p:nvPicPr>
+              <p:cNvPr id="2" name="图片 1">
+                <a:extLst>
+                  <a:ext uri="{FF2B5EF4-FFF2-40B4-BE49-F238E27FC236}">
+                    <a16:creationId xmlns:a16="http://schemas.microsoft.com/office/drawing/2014/main" id="{0668868C-8ED8-A4B2-7671-6EFFEB0E294C}"/>
+                  </a:ext>
+                </a:extLst>
+              </p:cNvPr>
+              <p:cNvPicPr>
+                <a:picLocks noChangeAspect="1"/>
+              </p:cNvPicPr>
+              <p:nvPr/>
+            </p:nvPicPr>
+            <p:blipFill>
+              <a:blip r:embed="rId2">
+                <a:duotone>
+                  <a:prstClr val="black"/>
+                  <a:schemeClr val="accent4">
+                    <a:lumMod val="60000"/>
+                    <a:lumOff val="40000"/>
+                    <a:tint val="45000"/>
+                    <a:satMod val="400000"/>
+                  </a:schemeClr>
+                </a:duotone>
+                <a:extLst>
+                  <a:ext uri="{28A0092B-C50C-407E-A947-70E740481C1C}">
+                    <a14:useLocalDpi xmlns:a14="http://schemas.microsoft.com/office/drawing/2010/main" val="0"/>
+                  </a:ext>
+                </a:extLst>
+              </a:blip>
+              <a:stretch>
+                <a:fillRect/>
+              </a:stretch>
+            </p:blipFill>
+            <p:spPr>
+              <a:xfrm rot="19830462" flipH="1">
+                <a:off x="4133252" y="1976959"/>
+                <a:ext cx="2083328" cy="1526085"/>
+              </a:xfrm>
+              <a:prstGeom prst="rect">
+                <a:avLst/>
+              </a:prstGeom>
+            </p:spPr>
+          </p:pic>
+          <p:pic>
+            <p:nvPicPr>
+              <p:cNvPr id="4" name="图片 3">
+                <a:extLst>
+                  <a:ext uri="{FF2B5EF4-FFF2-40B4-BE49-F238E27FC236}">
+                    <a16:creationId xmlns:a16="http://schemas.microsoft.com/office/drawing/2014/main" id="{A5E5409E-5B46-EC02-29E2-4228848C34CC}"/>
+                  </a:ext>
+                </a:extLst>
+              </p:cNvPr>
+              <p:cNvPicPr>
+                <a:picLocks noChangeAspect="1"/>
+              </p:cNvPicPr>
+              <p:nvPr/>
+            </p:nvPicPr>
+            <p:blipFill>
+              <a:blip r:embed="rId2">
+                <a:duotone>
+                  <a:prstClr val="black"/>
+                  <a:schemeClr val="accent4">
+                    <a:lumMod val="60000"/>
+                    <a:lumOff val="40000"/>
+                    <a:tint val="45000"/>
+                    <a:satMod val="400000"/>
+                  </a:schemeClr>
+                </a:duotone>
+                <a:extLst>
+                  <a:ext uri="{28A0092B-C50C-407E-A947-70E740481C1C}">
+                    <a14:useLocalDpi xmlns:a14="http://schemas.microsoft.com/office/drawing/2010/main" val="0"/>
+                  </a:ext>
+                </a:extLst>
+              </a:blip>
+              <a:stretch>
+                <a:fillRect/>
+              </a:stretch>
+            </p:blipFill>
+            <p:spPr>
+              <a:xfrm rot="16882111" flipH="1">
+                <a:off x="4536505" y="3389964"/>
+                <a:ext cx="1486459" cy="1088865"/>
+              </a:xfrm>
+              <a:prstGeom prst="rect">
+                <a:avLst/>
+              </a:prstGeom>
+            </p:spPr>
+          </p:pic>
+          <p:pic>
+            <p:nvPicPr>
+              <p:cNvPr id="6" name="图片 5">
+                <a:extLst>
+                  <a:ext uri="{FF2B5EF4-FFF2-40B4-BE49-F238E27FC236}">
+                    <a16:creationId xmlns:a16="http://schemas.microsoft.com/office/drawing/2014/main" id="{8BA3BC47-888A-6C7F-41FC-DC90C29F4C37}"/>
+                  </a:ext>
+                </a:extLst>
+              </p:cNvPr>
+              <p:cNvPicPr>
+                <a:picLocks noChangeAspect="1"/>
+              </p:cNvPicPr>
+              <p:nvPr/>
+            </p:nvPicPr>
+            <p:blipFill>
+              <a:blip r:embed="rId2">
+                <a:duotone>
+                  <a:prstClr val="black"/>
+                  <a:srgbClr val="0070C0">
+                    <a:tint val="45000"/>
+                    <a:satMod val="400000"/>
+                  </a:srgbClr>
+                </a:duotone>
+                <a:alphaModFix amt="0"/>
+                <a:extLst>
+                  <a:ext uri="{28A0092B-C50C-407E-A947-70E740481C1C}">
+                    <a14:useLocalDpi xmlns:a14="http://schemas.microsoft.com/office/drawing/2010/main" val="0"/>
+                  </a:ext>
+                </a:extLst>
+              </a:blip>
+              <a:stretch>
+                <a:fillRect/>
+              </a:stretch>
+            </p:blipFill>
+            <p:spPr>
+              <a:xfrm rot="10647133">
+                <a:off x="2997182" y="2462862"/>
+                <a:ext cx="1486459" cy="1088865"/>
+              </a:xfrm>
+              <a:prstGeom prst="rect">
+                <a:avLst/>
+              </a:prstGeom>
+            </p:spPr>
+          </p:pic>
+        </p:grpSp>
+        <p:pic>
+          <p:nvPicPr>
+            <p:cNvPr id="3" name="图片 2">
+              <a:extLst>
+                <a:ext uri="{FF2B5EF4-FFF2-40B4-BE49-F238E27FC236}">
+                  <a16:creationId xmlns:a16="http://schemas.microsoft.com/office/drawing/2014/main" id="{AC0031FC-17E9-27A2-D645-62C3BA650F75}"/>
+                </a:ext>
+              </a:extLst>
+            </p:cNvPr>
+            <p:cNvPicPr>
+              <a:picLocks noChangeAspect="1"/>
+            </p:cNvPicPr>
+            <p:nvPr/>
+          </p:nvPicPr>
+          <p:blipFill>
+            <a:blip r:embed="rId2">
+              <a:duotone>
+                <a:prstClr val="black"/>
+                <a:srgbClr val="0070C0">
+                  <a:tint val="45000"/>
+                  <a:satMod val="400000"/>
+                </a:srgbClr>
+              </a:duotone>
+              <a:alphaModFix amt="0"/>
+              <a:extLst>
+                <a:ext uri="{28A0092B-C50C-407E-A947-70E740481C1C}">
+                  <a14:useLocalDpi xmlns:a14="http://schemas.microsoft.com/office/drawing/2010/main" val="0"/>
+                </a:ext>
+              </a:extLst>
+            </a:blip>
+            <a:stretch>
+              <a:fillRect/>
+            </a:stretch>
+          </p:blipFill>
+          <p:spPr>
+            <a:xfrm rot="1613781">
+              <a:off x="6781349" y="2201355"/>
+              <a:ext cx="2076335" cy="1520962"/>
+            </a:xfrm>
+            <a:prstGeom prst="rect">
+              <a:avLst/>
+            </a:prstGeom>
+          </p:spPr>
+        </p:pic>
+        <p:pic>
+          <p:nvPicPr>
+            <p:cNvPr id="7" name="图片 6">
+              <a:extLst>
+                <a:ext uri="{FF2B5EF4-FFF2-40B4-BE49-F238E27FC236}">
+                  <a16:creationId xmlns:a16="http://schemas.microsoft.com/office/drawing/2014/main" id="{8DA7A06D-5C88-ABAA-D353-035DE489BE47}"/>
+                </a:ext>
+              </a:extLst>
+            </p:cNvPr>
+            <p:cNvPicPr>
+              <a:picLocks noChangeAspect="1"/>
+            </p:cNvPicPr>
+            <p:nvPr/>
+          </p:nvPicPr>
+          <p:blipFill>
+            <a:blip r:embed="rId2">
+              <a:alphaModFix amt="0"/>
+              <a:extLst>
+                <a:ext uri="{28A0092B-C50C-407E-A947-70E740481C1C}">
+                  <a14:useLocalDpi xmlns:a14="http://schemas.microsoft.com/office/drawing/2010/main" val="0"/>
+                </a:ext>
+              </a:extLst>
+            </a:blip>
+            <a:stretch>
+              <a:fillRect/>
+            </a:stretch>
+          </p:blipFill>
+          <p:spPr>
+            <a:xfrm rot="17737047" flipH="1">
+              <a:off x="7186903" y="3627791"/>
+              <a:ext cx="1579358" cy="1156915"/>
+            </a:xfrm>
+            <a:prstGeom prst="rect">
+              <a:avLst/>
+            </a:prstGeom>
+          </p:spPr>
+        </p:pic>
+      </p:grpSp>
+    </p:spTree>
+    <p:extLst>
+      <p:ext uri="{BB962C8B-B14F-4D97-AF65-F5344CB8AC3E}">
+        <p14:creationId xmlns:p14="http://schemas.microsoft.com/office/powerpoint/2010/main" val="1451573905"/>
+      </p:ext>
+    </p:extLst>
+  </p:cSld>
+  <p:clrMapOvr>
+    <a:masterClrMapping/>
+  </p:clrMapOvr>
+</p:sld>
+</file>
+
+<file path=ppt/slides/slide7.xml><?xml version="1.0" encoding="utf-8"?>
+<p:sld xmlns:a="http://schemas.openxmlformats.org/drawingml/2006/main" xmlns:r="http://schemas.openxmlformats.org/officeDocument/2006/relationships" xmlns:p="http://schemas.openxmlformats.org/presentationml/2006/main">
+  <p:cSld>
+    <p:spTree>
+      <p:nvGrpSpPr>
+        <p:cNvPr id="1" name="">
+          <a:extLst>
+            <a:ext uri="{FF2B5EF4-FFF2-40B4-BE49-F238E27FC236}">
+              <a16:creationId xmlns:a16="http://schemas.microsoft.com/office/drawing/2014/main" id="{59FBEA4E-5022-01B5-4A7B-D296CE4D6AE6}"/>
+            </a:ext>
+          </a:extLst>
+        </p:cNvPr>
+        <p:cNvGrpSpPr/>
+        <p:nvPr/>
+      </p:nvGrpSpPr>
+      <p:grpSpPr>
+        <a:xfrm>
+          <a:off x="0" y="0"/>
+          <a:ext cx="0" cy="0"/>
+          <a:chOff x="0" y="0"/>
+          <a:chExt cx="0" cy="0"/>
+        </a:xfrm>
+      </p:grpSpPr>
+      <p:grpSp>
+        <p:nvGrpSpPr>
+          <p:cNvPr id="9" name="组合 8">
+            <a:extLst>
+              <a:ext uri="{FF2B5EF4-FFF2-40B4-BE49-F238E27FC236}">
+                <a16:creationId xmlns:a16="http://schemas.microsoft.com/office/drawing/2014/main" id="{8E6FDA35-2B93-5D84-DD2D-AAAA9C91E1CA}"/>
+              </a:ext>
+            </a:extLst>
+          </p:cNvPr>
+          <p:cNvGrpSpPr/>
+          <p:nvPr/>
+        </p:nvGrpSpPr>
+        <p:grpSpPr>
+          <a:xfrm>
+            <a:off x="2997182" y="358636"/>
+            <a:ext cx="5860502" cy="4637292"/>
+            <a:chOff x="2997182" y="358636"/>
+            <a:chExt cx="5860502" cy="4637292"/>
+          </a:xfrm>
+        </p:grpSpPr>
+        <p:grpSp>
+          <p:nvGrpSpPr>
+            <p:cNvPr id="8" name="组合 7">
+              <a:extLst>
+                <a:ext uri="{FF2B5EF4-FFF2-40B4-BE49-F238E27FC236}">
+                  <a16:creationId xmlns:a16="http://schemas.microsoft.com/office/drawing/2014/main" id="{56C1AF5A-694E-A792-E4D7-B0B4EC7EF455}"/>
+                </a:ext>
+              </a:extLst>
+            </p:cNvPr>
+            <p:cNvGrpSpPr/>
+            <p:nvPr/>
+          </p:nvGrpSpPr>
+          <p:grpSpPr>
+            <a:xfrm>
+              <a:off x="2997182" y="358636"/>
+              <a:ext cx="4287383" cy="4318990"/>
+              <a:chOff x="2997182" y="358636"/>
+              <a:chExt cx="4287383" cy="4318990"/>
+            </a:xfrm>
+          </p:grpSpPr>
+          <p:pic>
+            <p:nvPicPr>
+              <p:cNvPr id="5" name="图片 4">
+                <a:extLst>
+                  <a:ext uri="{FF2B5EF4-FFF2-40B4-BE49-F238E27FC236}">
+                    <a16:creationId xmlns:a16="http://schemas.microsoft.com/office/drawing/2014/main" id="{675D95E0-57CA-1E95-197C-39FA83065583}"/>
+                  </a:ext>
+                </a:extLst>
+              </p:cNvPr>
+              <p:cNvPicPr>
+                <a:picLocks noChangeAspect="1"/>
+              </p:cNvPicPr>
+              <p:nvPr/>
+            </p:nvPicPr>
+            <p:blipFill>
+              <a:blip r:embed="rId2">
+                <a:duotone>
+                  <a:prstClr val="black"/>
+                  <a:schemeClr val="accent4">
+                    <a:lumMod val="60000"/>
+                    <a:lumOff val="40000"/>
+                    <a:tint val="45000"/>
+                    <a:satMod val="400000"/>
+                  </a:schemeClr>
+                </a:duotone>
+                <a:extLst>
+                  <a:ext uri="{28A0092B-C50C-407E-A947-70E740481C1C}">
+                    <a14:useLocalDpi xmlns:a14="http://schemas.microsoft.com/office/drawing/2010/main" val="0"/>
+                  </a:ext>
+                </a:extLst>
+              </a:blip>
+              <a:stretch>
+                <a:fillRect/>
+              </a:stretch>
+            </p:blipFill>
+            <p:spPr>
+              <a:xfrm rot="3510947">
+                <a:off x="5048178" y="703903"/>
+                <a:ext cx="2581654" cy="1891120"/>
+              </a:xfrm>
+              <a:prstGeom prst="rect">
+                <a:avLst/>
+              </a:prstGeom>
+            </p:spPr>
+          </p:pic>
+          <p:pic>
+            <p:nvPicPr>
+              <p:cNvPr id="2" name="图片 1">
+                <a:extLst>
+                  <a:ext uri="{FF2B5EF4-FFF2-40B4-BE49-F238E27FC236}">
+                    <a16:creationId xmlns:a16="http://schemas.microsoft.com/office/drawing/2014/main" id="{806C1F7A-BAC0-5055-AADD-D2FBFCD92655}"/>
+                  </a:ext>
+                </a:extLst>
+              </p:cNvPr>
+              <p:cNvPicPr>
+                <a:picLocks noChangeAspect="1"/>
+              </p:cNvPicPr>
+              <p:nvPr/>
+            </p:nvPicPr>
+            <p:blipFill>
+              <a:blip r:embed="rId2">
+                <a:duotone>
+                  <a:prstClr val="black"/>
+                  <a:srgbClr val="0070C0">
+                    <a:tint val="45000"/>
+                    <a:satMod val="400000"/>
+                  </a:srgbClr>
+                </a:duotone>
+                <a:alphaModFix amt="0"/>
+                <a:extLst>
+                  <a:ext uri="{28A0092B-C50C-407E-A947-70E740481C1C}">
+                    <a14:useLocalDpi xmlns:a14="http://schemas.microsoft.com/office/drawing/2010/main" val="0"/>
+                  </a:ext>
+                </a:extLst>
+              </a:blip>
+              <a:stretch>
+                <a:fillRect/>
+              </a:stretch>
+            </p:blipFill>
+            <p:spPr>
+              <a:xfrm rot="19830462" flipH="1">
+                <a:off x="4133252" y="1976959"/>
+                <a:ext cx="2083328" cy="1526085"/>
+              </a:xfrm>
+              <a:prstGeom prst="rect">
+                <a:avLst/>
+              </a:prstGeom>
+            </p:spPr>
+          </p:pic>
+          <p:pic>
+            <p:nvPicPr>
+              <p:cNvPr id="4" name="图片 3">
+                <a:extLst>
+                  <a:ext uri="{FF2B5EF4-FFF2-40B4-BE49-F238E27FC236}">
+                    <a16:creationId xmlns:a16="http://schemas.microsoft.com/office/drawing/2014/main" id="{A2C93A13-DF58-5A5C-132E-358990D6526A}"/>
+                  </a:ext>
+                </a:extLst>
+              </p:cNvPr>
+              <p:cNvPicPr>
+                <a:picLocks noChangeAspect="1"/>
+              </p:cNvPicPr>
+              <p:nvPr/>
+            </p:nvPicPr>
+            <p:blipFill>
+              <a:blip r:embed="rId2">
+                <a:alphaModFix amt="0"/>
+                <a:extLst>
+                  <a:ext uri="{28A0092B-C50C-407E-A947-70E740481C1C}">
+                    <a14:useLocalDpi xmlns:a14="http://schemas.microsoft.com/office/drawing/2010/main" val="0"/>
+                  </a:ext>
+                </a:extLst>
+              </a:blip>
+              <a:stretch>
+                <a:fillRect/>
+              </a:stretch>
+            </p:blipFill>
+            <p:spPr>
+              <a:xfrm rot="16882111" flipH="1">
+                <a:off x="4536505" y="3389964"/>
+                <a:ext cx="1486459" cy="1088865"/>
+              </a:xfrm>
+              <a:prstGeom prst="rect">
+                <a:avLst/>
+              </a:prstGeom>
+            </p:spPr>
+          </p:pic>
+          <p:pic>
+            <p:nvPicPr>
+              <p:cNvPr id="6" name="图片 5">
+                <a:extLst>
+                  <a:ext uri="{FF2B5EF4-FFF2-40B4-BE49-F238E27FC236}">
+                    <a16:creationId xmlns:a16="http://schemas.microsoft.com/office/drawing/2014/main" id="{12291056-B2B5-139B-989D-A256C1230A8C}"/>
+                  </a:ext>
+                </a:extLst>
+              </p:cNvPr>
+              <p:cNvPicPr>
+                <a:picLocks noChangeAspect="1"/>
+              </p:cNvPicPr>
+              <p:nvPr/>
+            </p:nvPicPr>
+            <p:blipFill>
+              <a:blip r:embed="rId2">
+                <a:alphaModFix amt="0"/>
+                <a:extLst>
+                  <a:ext uri="{28A0092B-C50C-407E-A947-70E740481C1C}">
+                    <a14:useLocalDpi xmlns:a14="http://schemas.microsoft.com/office/drawing/2010/main" val="0"/>
+                  </a:ext>
+                </a:extLst>
+              </a:blip>
+              <a:stretch>
+                <a:fillRect/>
+              </a:stretch>
+            </p:blipFill>
+            <p:spPr>
+              <a:xfrm rot="10647133">
+                <a:off x="2997182" y="2462862"/>
+                <a:ext cx="1486459" cy="1088865"/>
+              </a:xfrm>
+              <a:prstGeom prst="rect">
+                <a:avLst/>
+              </a:prstGeom>
+            </p:spPr>
+          </p:pic>
+        </p:grpSp>
+        <p:pic>
+          <p:nvPicPr>
+            <p:cNvPr id="3" name="图片 2">
+              <a:extLst>
+                <a:ext uri="{FF2B5EF4-FFF2-40B4-BE49-F238E27FC236}">
+                  <a16:creationId xmlns:a16="http://schemas.microsoft.com/office/drawing/2014/main" id="{6A6C427F-D935-9ADC-BD68-5375036BEBEA}"/>
+                </a:ext>
+              </a:extLst>
+            </p:cNvPr>
+            <p:cNvPicPr>
+              <a:picLocks noChangeAspect="1"/>
+            </p:cNvPicPr>
+            <p:nvPr/>
+          </p:nvPicPr>
+          <p:blipFill>
+            <a:blip r:embed="rId2">
+              <a:duotone>
+                <a:prstClr val="black"/>
+                <a:schemeClr val="accent4">
+                  <a:lumMod val="60000"/>
+                  <a:lumOff val="40000"/>
+                  <a:tint val="45000"/>
+                  <a:satMod val="400000"/>
+                </a:schemeClr>
+              </a:duotone>
+              <a:extLst>
+                <a:ext uri="{28A0092B-C50C-407E-A947-70E740481C1C}">
+                  <a14:useLocalDpi xmlns:a14="http://schemas.microsoft.com/office/drawing/2010/main" val="0"/>
+                </a:ext>
+              </a:extLst>
+            </a:blip>
+            <a:stretch>
+              <a:fillRect/>
+            </a:stretch>
+          </p:blipFill>
+          <p:spPr>
+            <a:xfrm rot="1613781">
+              <a:off x="6781349" y="2201355"/>
+              <a:ext cx="2076335" cy="1520962"/>
+            </a:xfrm>
+            <a:prstGeom prst="rect">
+              <a:avLst/>
+            </a:prstGeom>
+          </p:spPr>
+        </p:pic>
+        <p:pic>
+          <p:nvPicPr>
+            <p:cNvPr id="7" name="图片 6">
+              <a:extLst>
+                <a:ext uri="{FF2B5EF4-FFF2-40B4-BE49-F238E27FC236}">
+                  <a16:creationId xmlns:a16="http://schemas.microsoft.com/office/drawing/2014/main" id="{8492DC6A-07F2-1279-40D2-D0126DB09F52}"/>
+                </a:ext>
+              </a:extLst>
+            </p:cNvPr>
+            <p:cNvPicPr>
+              <a:picLocks noChangeAspect="1"/>
+            </p:cNvPicPr>
+            <p:nvPr/>
+          </p:nvPicPr>
+          <p:blipFill>
+            <a:blip r:embed="rId2">
+              <a:duotone>
+                <a:prstClr val="black"/>
+                <a:schemeClr val="accent4">
+                  <a:lumMod val="60000"/>
+                  <a:lumOff val="40000"/>
+                  <a:tint val="45000"/>
+                  <a:satMod val="400000"/>
+                </a:schemeClr>
+              </a:duotone>
+              <a:extLst>
+                <a:ext uri="{28A0092B-C50C-407E-A947-70E740481C1C}">
+                  <a14:useLocalDpi xmlns:a14="http://schemas.microsoft.com/office/drawing/2010/main" val="0"/>
+                </a:ext>
+              </a:extLst>
+            </a:blip>
+            <a:stretch>
+              <a:fillRect/>
+            </a:stretch>
+          </p:blipFill>
+          <p:spPr>
+            <a:xfrm rot="17737047" flipH="1">
+              <a:off x="7186903" y="3627791"/>
+              <a:ext cx="1579358" cy="1156915"/>
+            </a:xfrm>
+            <a:prstGeom prst="rect">
+              <a:avLst/>
+            </a:prstGeom>
+          </p:spPr>
+        </p:pic>
+      </p:grpSp>
+    </p:spTree>
+    <p:extLst>
+      <p:ext uri="{BB962C8B-B14F-4D97-AF65-F5344CB8AC3E}">
+        <p14:creationId xmlns:p14="http://schemas.microsoft.com/office/powerpoint/2010/main" val="2494163612"/>
+      </p:ext>
+    </p:extLst>
+  </p:cSld>
+  <p:clrMapOvr>
+    <a:masterClrMapping/>
+  </p:clrMapOvr>
+</p:sld>
+</file>
+
 <file path=ppt/theme/theme1.xml><?xml version="1.0" encoding="utf-8"?>
 <a:theme xmlns:a="http://schemas.openxmlformats.org/drawingml/2006/main" name="Office 主题​​">
   <a:themeElements>

--- a/test_nomai/nomai_tree.pptx
+++ b/test_nomai/nomai_tree.pptx
@@ -4029,6 +4029,7 @@
                     <a:satMod val="400000"/>
                   </a:schemeClr>
                 </a:duotone>
+                <a:alphaModFix amt="0"/>
                 <a:extLst>
                   <a:ext uri="{28A0092B-C50C-407E-A947-70E740481C1C}">
                     <a14:useLocalDpi xmlns:a14="http://schemas.microsoft.com/office/drawing/2010/main" val="0"/>
@@ -4364,6 +4365,7 @@
                     <a:satMod val="400000"/>
                   </a:schemeClr>
                 </a:duotone>
+                <a:alphaModFix amt="0"/>
                 <a:extLst>
                   <a:ext uri="{28A0092B-C50C-407E-A947-70E740481C1C}">
                     <a14:useLocalDpi xmlns:a14="http://schemas.microsoft.com/office/drawing/2010/main" val="0"/>
@@ -4693,6 +4695,7 @@
                     <a:satMod val="400000"/>
                   </a:schemeClr>
                 </a:duotone>
+                <a:alphaModFix amt="0"/>
                 <a:extLst>
                   <a:ext uri="{28A0092B-C50C-407E-A947-70E740481C1C}">
                     <a14:useLocalDpi xmlns:a14="http://schemas.microsoft.com/office/drawing/2010/main" val="0"/>
@@ -4738,6 +4741,7 @@
                     <a:satMod val="400000"/>
                   </a:schemeClr>
                 </a:duotone>
+                <a:alphaModFix amt="0"/>
                 <a:extLst>
                   <a:ext uri="{28A0092B-C50C-407E-A947-70E740481C1C}">
                     <a14:useLocalDpi xmlns:a14="http://schemas.microsoft.com/office/drawing/2010/main" val="0"/>
@@ -5031,6 +5035,7 @@
                     <a:satMod val="400000"/>
                   </a:schemeClr>
                 </a:duotone>
+                <a:alphaModFix amt="0"/>
                 <a:extLst>
                   <a:ext uri="{28A0092B-C50C-407E-A947-70E740481C1C}">
                     <a14:useLocalDpi xmlns:a14="http://schemas.microsoft.com/office/drawing/2010/main" val="0"/>
@@ -5076,6 +5081,7 @@
                     <a:satMod val="400000"/>
                   </a:schemeClr>
                 </a:duotone>
+                <a:alphaModFix amt="0"/>
                 <a:extLst>
                   <a:ext uri="{28A0092B-C50C-407E-A947-70E740481C1C}">
                     <a14:useLocalDpi xmlns:a14="http://schemas.microsoft.com/office/drawing/2010/main" val="0"/>
@@ -5369,6 +5375,7 @@
                     <a:satMod val="400000"/>
                   </a:schemeClr>
                 </a:duotone>
+                <a:alphaModFix amt="0"/>
                 <a:extLst>
                   <a:ext uri="{28A0092B-C50C-407E-A947-70E740481C1C}">
                     <a14:useLocalDpi xmlns:a14="http://schemas.microsoft.com/office/drawing/2010/main" val="0"/>
@@ -5533,6 +5540,7 @@
                   <a:satMod val="400000"/>
                 </a:schemeClr>
               </a:duotone>
+              <a:alphaModFix amt="0"/>
               <a:extLst>
                 <a:ext uri="{28A0092B-C50C-407E-A947-70E740481C1C}">
                   <a14:useLocalDpi xmlns:a14="http://schemas.microsoft.com/office/drawing/2010/main" val="0"/>
